--- a/Proposal-Wireframe.pptx
+++ b/Proposal-Wireframe.pptx
@@ -104,6 +104,11 @@
       </a:defRPr>
     </a:lvl9pPr>
   </p:defaultTextStyle>
+  <p:extLst>
+    <p:ext uri="{EFAFB233-063F-42B5-8137-9DF3F51BA10A}">
+      <p15:sldGuideLst xmlns:p15="http://schemas.microsoft.com/office/powerpoint/2012/main"/>
+    </p:ext>
+  </p:extLst>
 </p:presentation>
 </file>
 
@@ -4353,104 +4358,6 @@
       </p:grpSpPr>
       <p:sp>
         <p:nvSpPr>
-          <p:cNvPr id="4" name="Rectangle 3">
-            <a:extLst>
-              <a:ext uri="{FF2B5EF4-FFF2-40B4-BE49-F238E27FC236}">
-                <a16:creationId xmlns:a16="http://schemas.microsoft.com/office/drawing/2014/main" id="{6DF01929-4EF8-159E-AE5B-3F951ED1E5B5}"/>
-              </a:ext>
-            </a:extLst>
-          </p:cNvPr>
-          <p:cNvSpPr/>
-          <p:nvPr/>
-        </p:nvSpPr>
-        <p:spPr>
-          <a:xfrm>
-            <a:off x="3801374" y="1898770"/>
-            <a:ext cx="1459345" cy="258618"/>
-          </a:xfrm>
-          <a:prstGeom prst="rect">
-            <a:avLst/>
-          </a:prstGeom>
-        </p:spPr>
-        <p:style>
-          <a:lnRef idx="2">
-            <a:schemeClr val="accent3">
-              <a:shade val="50000"/>
-            </a:schemeClr>
-          </a:lnRef>
-          <a:fillRef idx="1">
-            <a:schemeClr val="accent3"/>
-          </a:fillRef>
-          <a:effectRef idx="0">
-            <a:schemeClr val="accent3"/>
-          </a:effectRef>
-          <a:fontRef idx="minor">
-            <a:schemeClr val="lt1"/>
-          </a:fontRef>
-        </p:style>
-        <p:txBody>
-          <a:bodyPr rtlCol="0" anchor="ctr"/>
-          <a:lstStyle/>
-          <a:p>
-            <a:pPr algn="ctr"/>
-            <a:r>
-              <a:rPr lang="en-US" dirty="0"/>
-              <a:t>Start Date</a:t>
-            </a:r>
-          </a:p>
-        </p:txBody>
-      </p:sp>
-      <p:sp>
-        <p:nvSpPr>
-          <p:cNvPr id="5" name="Rectangle 4">
-            <a:extLst>
-              <a:ext uri="{FF2B5EF4-FFF2-40B4-BE49-F238E27FC236}">
-                <a16:creationId xmlns:a16="http://schemas.microsoft.com/office/drawing/2014/main" id="{CFB13893-EBBC-B08F-9C71-BB759C6FBD8C}"/>
-              </a:ext>
-            </a:extLst>
-          </p:cNvPr>
-          <p:cNvSpPr/>
-          <p:nvPr/>
-        </p:nvSpPr>
-        <p:spPr>
-          <a:xfrm>
-            <a:off x="5565519" y="1898770"/>
-            <a:ext cx="1459345" cy="258618"/>
-          </a:xfrm>
-          <a:prstGeom prst="rect">
-            <a:avLst/>
-          </a:prstGeom>
-        </p:spPr>
-        <p:style>
-          <a:lnRef idx="2">
-            <a:schemeClr val="accent3">
-              <a:shade val="50000"/>
-            </a:schemeClr>
-          </a:lnRef>
-          <a:fillRef idx="1">
-            <a:schemeClr val="accent3"/>
-          </a:fillRef>
-          <a:effectRef idx="0">
-            <a:schemeClr val="accent3"/>
-          </a:effectRef>
-          <a:fontRef idx="minor">
-            <a:schemeClr val="lt1"/>
-          </a:fontRef>
-        </p:style>
-        <p:txBody>
-          <a:bodyPr rtlCol="0" anchor="ctr"/>
-          <a:lstStyle/>
-          <a:p>
-            <a:pPr algn="ctr"/>
-            <a:r>
-              <a:rPr lang="en-US" dirty="0"/>
-              <a:t>End Date</a:t>
-            </a:r>
-          </a:p>
-        </p:txBody>
-      </p:sp>
-      <p:sp>
-        <p:nvSpPr>
           <p:cNvPr id="6" name="Rectangle 5">
             <a:extLst>
               <a:ext uri="{FF2B5EF4-FFF2-40B4-BE49-F238E27FC236}">
